--- a/doc/Fake news challenge - prezentacija.pptx
+++ b/doc/Fake news challenge - prezentacija.pptx
@@ -128,6 +128,11 @@
       </a:defRPr>
     </a:lvl9pPr>
   </p:defaultTextStyle>
+  <p:extLst>
+    <p:ext uri="{EFAFB233-063F-42B5-8137-9DF3F51BA10A}">
+      <p15:sldGuideLst xmlns:p15="http://schemas.microsoft.com/office/powerpoint/2012/main"/>
+    </p:ext>
+  </p:extLst>
 </p:presentation>
 </file>
 
@@ -11843,7 +11848,25 @@
               <a:rPr lang="hr-HR" sz="2400" dirty="0">
                 <a:ea typeface="SimSun" panose="02010600030101010101" pitchFamily="2" charset="-122"/>
               </a:rPr>
-              <a:t>Lošija uspješnost model koji za klasifikaciju koristi stabla odluke</a:t>
+              <a:t>Lošija uspješnost model</a:t>
+            </a:r>
+            <a:r>
+              <a:rPr lang="en-GB" sz="2400">
+                <a:ea typeface="SimSun" panose="02010600030101010101" pitchFamily="2" charset="-122"/>
+              </a:rPr>
+              <a:t>a</a:t>
+            </a:r>
+            <a:r>
+              <a:rPr lang="hr-HR" sz="2400">
+                <a:ea typeface="SimSun" panose="02010600030101010101" pitchFamily="2" charset="-122"/>
+              </a:rPr>
+              <a:t> </a:t>
+            </a:r>
+            <a:r>
+              <a:rPr lang="hr-HR" sz="2400" dirty="0">
+                <a:ea typeface="SimSun" panose="02010600030101010101" pitchFamily="2" charset="-122"/>
+              </a:rPr>
+              <a:t>koji za klasifikaciju koristi stabla odluke</a:t>
             </a:r>
             <a:r>
               <a:rPr lang="hr-HR" sz="2400" dirty="0">
